--- a/Final Presentation.pptx
+++ b/Final Presentation.pptx
@@ -4207,8 +4207,21 @@
           <a:p>
             <a:r>
               <a:rPr lang="en-US" dirty="0" smtClean="0"/>
-              <a:t>Can view memberships</a:t>
-            </a:r>
+              <a:t>Can view </a:t>
+            </a:r>
+            <a:r>
+              <a:rPr lang="en-US" dirty="0" smtClean="0"/>
+              <a:t>memberships</a:t>
+            </a:r>
+          </a:p>
+          <a:p>
+            <a:r>
+              <a:rPr lang="en-US" dirty="0"/>
+              <a:t>Admin Privileges </a:t>
+            </a:r>
+          </a:p>
+          <a:p>
+            <a:endParaRPr lang="en-US" dirty="0" smtClean="0"/>
           </a:p>
           <a:p>
             <a:endParaRPr lang="en-US" dirty="0"/>
@@ -4298,13 +4311,11 @@
           <a:p>
             <a:r>
               <a:rPr lang="en-US" dirty="0" smtClean="0"/>
-              <a:t>Admin Privileges </a:t>
-            </a:r>
-          </a:p>
-          <a:p>
+              <a:t>Membership </a:t>
+            </a:r>
             <a:r>
               <a:rPr lang="en-US" dirty="0" smtClean="0"/>
-              <a:t>Membership cloning</a:t>
+              <a:t>cloning</a:t>
             </a:r>
             <a:endParaRPr lang="en-US" dirty="0"/>
           </a:p>
@@ -4443,6 +4454,17 @@
               <a:rPr lang="en-US" dirty="0" smtClean="0"/>
               <a:t>Shuttle</a:t>
             </a:r>
+          </a:p>
+          <a:p>
+            <a:pPr>
+              <a:buFont typeface="Wingdings" charset="2"/>
+              <a:buChar char="ü"/>
+            </a:pPr>
+            <a:r>
+              <a:rPr lang="en-US" dirty="0" smtClean="0"/>
+              <a:t>Shortcut</a:t>
+            </a:r>
+            <a:endParaRPr lang="en-US" dirty="0" smtClean="0"/>
           </a:p>
           <a:p>
             <a:pPr>
